--- a/eece3170/f16/lectures/eece.3170f16_lec8_mul_div.pptx
+++ b/eece3170/f16/lectures/eece.3170f16_lec8_mul_div.pptx
@@ -541,7 +541,7 @@
             <a:tailEnd/>
           </a:ln>
           <a:extLst>
-            <a:ext uri="{909E8E84-426E-40dd-AFC4-6F175D3DCCD1}">
+            <a:ext uri="{909E8E84-426E-40DD-AFC4-6F175D3DCCD1}">
               <a14:hiddenFill xmlns:a14="http://schemas.microsoft.com/office/drawing/2010/main">
                 <a:solidFill>
                   <a:srgbClr val="FFFFFF"/>
@@ -549,7 +549,7 @@
               </a14:hiddenFill>
             </a:ext>
             <a:ext uri="{FAA26D3D-D897-4be2-8F04-BA451C77F1D7}">
-              <ma14:placeholderFlag xmlns:ma14="http://schemas.microsoft.com/office/mac/drawingml/2011/main" val="1"/>
+              <ma14:placeholderFlag xmlns:ma14="http://schemas.microsoft.com/office/mac/drawingml/2011/main" xmlns="" val="1"/>
             </a:ext>
           </a:extLst>
         </p:spPr>
@@ -888,14 +888,14 @@
           <a:noFill/>
           <a:ln/>
           <a:extLst>
-            <a:ext uri="{909E8E84-426E-40dd-AFC4-6F175D3DCCD1}">
+            <a:ext uri="{909E8E84-426E-40DD-AFC4-6F175D3DCCD1}">
               <a14:hiddenFill xmlns:a14="http://schemas.microsoft.com/office/drawing/2010/main">
                 <a:solidFill>
                   <a:srgbClr val="FFFFFF"/>
                 </a:solidFill>
               </a14:hiddenFill>
             </a:ext>
-            <a:ext uri="{91240B29-F687-4f45-9708-019B960494DF}">
+            <a:ext uri="{91240B29-F687-4F45-9708-019B960494DF}">
               <a14:hiddenLine xmlns:a14="http://schemas.microsoft.com/office/drawing/2010/main" w="9525">
                 <a:solidFill>
                   <a:srgbClr val="000000"/>
@@ -1063,14 +1063,14 @@
           <a:noFill/>
           <a:ln/>
           <a:extLst>
-            <a:ext uri="{909E8E84-426E-40dd-AFC4-6F175D3DCCD1}">
+            <a:ext uri="{909E8E84-426E-40DD-AFC4-6F175D3DCCD1}">
               <a14:hiddenFill xmlns:a14="http://schemas.microsoft.com/office/drawing/2010/main">
                 <a:solidFill>
                   <a:srgbClr val="FFFFFF"/>
                 </a:solidFill>
               </a14:hiddenFill>
             </a:ext>
-            <a:ext uri="{91240B29-F687-4f45-9708-019B960494DF}">
+            <a:ext uri="{91240B29-F687-4F45-9708-019B960494DF}">
               <a14:hiddenLine xmlns:a14="http://schemas.microsoft.com/office/drawing/2010/main" w="9525">
                 <a:solidFill>
                   <a:srgbClr val="000000"/>
@@ -1081,7 +1081,7 @@
               </a14:hiddenLine>
             </a:ext>
             <a:ext uri="{FAA26D3D-D897-4be2-8F04-BA451C77F1D7}">
-              <ma14:placeholderFlag xmlns:ma14="http://schemas.microsoft.com/office/mac/drawingml/2011/main" val="1"/>
+              <ma14:placeholderFlag xmlns:ma14="http://schemas.microsoft.com/office/mac/drawingml/2011/main" xmlns="" val="1"/>
             </a:ext>
           </a:extLst>
         </p:spPr>
@@ -1183,7 +1183,7 @@
             <a:tailEnd/>
           </a:ln>
           <a:extLst>
-            <a:ext uri="{909E8E84-426E-40dd-AFC4-6F175D3DCCD1}">
+            <a:ext uri="{909E8E84-426E-40DD-AFC4-6F175D3DCCD1}">
               <a14:hiddenFill xmlns:a14="http://schemas.microsoft.com/office/drawing/2010/main">
                 <a:solidFill>
                   <a:srgbClr val="FFFFFF"/>
@@ -1226,7 +1226,7 @@
             <a:tailEnd/>
           </a:ln>
           <a:extLst>
-            <a:ext uri="{909E8E84-426E-40dd-AFC4-6F175D3DCCD1}">
+            <a:ext uri="{909E8E84-426E-40DD-AFC4-6F175D3DCCD1}">
               <a14:hiddenFill xmlns:a14="http://schemas.microsoft.com/office/drawing/2010/main">
                 <a:noFill/>
               </a14:hiddenFill>
@@ -1326,7 +1326,7 @@
           <a:p>
             <a:fld id="{D7B5E693-7558-6B46-9B8B-E1962A2003ED}" type="datetime1">
               <a:rPr lang="en-US" smtClean="0"/>
-              <a:t>9/19/16</a:t>
+              <a:t>9/21/2016</a:t>
             </a:fld>
             <a:endParaRPr lang="en-US"/>
           </a:p>
@@ -1523,7 +1523,7 @@
           <a:p>
             <a:fld id="{5175B416-B094-1942-B4AE-08026131C6D9}" type="datetime1">
               <a:rPr lang="en-US" smtClean="0"/>
-              <a:t>9/19/16</a:t>
+              <a:t>9/21/2016</a:t>
             </a:fld>
             <a:endParaRPr lang="en-US"/>
           </a:p>
@@ -1729,7 +1729,7 @@
           <a:p>
             <a:fld id="{2C69E425-74E9-2F49-AD2B-06A9E9EDF943}" type="datetime1">
               <a:rPr lang="en-US" smtClean="0"/>
-              <a:t>9/19/16</a:t>
+              <a:t>9/21/2016</a:t>
             </a:fld>
             <a:endParaRPr lang="en-US"/>
           </a:p>
@@ -1992,7 +1992,7 @@
           <a:p>
             <a:fld id="{7D92956D-DAFC-054B-8BF4-164675F40067}" type="datetime1">
               <a:rPr lang="en-US" smtClean="0"/>
-              <a:t>9/19/16</a:t>
+              <a:t>9/21/2016</a:t>
             </a:fld>
             <a:endParaRPr lang="en-US"/>
           </a:p>
@@ -2255,7 +2255,7 @@
           <a:p>
             <a:fld id="{6AD48CA3-7131-6346-8BA2-3ADA502B817D}" type="datetime1">
               <a:rPr lang="en-US" smtClean="0"/>
-              <a:t>9/19/16</a:t>
+              <a:t>9/21/2016</a:t>
             </a:fld>
             <a:endParaRPr lang="en-US"/>
           </a:p>
@@ -2451,7 +2451,7 @@
           <a:p>
             <a:fld id="{D8B2D225-6DB9-064C-9CE7-56E0859350DC}" type="datetime1">
               <a:rPr lang="en-US" smtClean="0"/>
-              <a:t>9/19/16</a:t>
+              <a:t>9/21/2016</a:t>
             </a:fld>
             <a:endParaRPr lang="en-US"/>
           </a:p>
@@ -2669,7 +2669,7 @@
           <a:p>
             <a:fld id="{D0A0AF25-68A6-754C-A3B0-C00A47F919E7}" type="datetime1">
               <a:rPr lang="en-US" smtClean="0"/>
-              <a:t>9/19/16</a:t>
+              <a:t>9/21/2016</a:t>
             </a:fld>
             <a:endParaRPr lang="en-US"/>
           </a:p>
@@ -2983,7 +2983,7 @@
           <a:p>
             <a:fld id="{90B7562C-3618-1E4D-AE46-BEA4804C1C2C}" type="datetime1">
               <a:rPr lang="en-US" smtClean="0"/>
-              <a:t>9/19/16</a:t>
+              <a:t>9/21/2016</a:t>
             </a:fld>
             <a:endParaRPr lang="en-US"/>
           </a:p>
@@ -3436,7 +3436,7 @@
           <a:p>
             <a:fld id="{C8517551-06B8-0A4D-9846-373CCB18A74B}" type="datetime1">
               <a:rPr lang="en-US" smtClean="0"/>
-              <a:t>9/19/16</a:t>
+              <a:t>9/21/2016</a:t>
             </a:fld>
             <a:endParaRPr lang="en-US"/>
           </a:p>
@@ -3580,7 +3580,7 @@
           <a:p>
             <a:fld id="{C787506F-3D1A-AE47-BFEE-47C3FB72CC3C}" type="datetime1">
               <a:rPr lang="en-US" smtClean="0"/>
-              <a:t>9/19/16</a:t>
+              <a:t>9/21/2016</a:t>
             </a:fld>
             <a:endParaRPr lang="en-US"/>
           </a:p>
@@ -3701,7 +3701,7 @@
           <a:p>
             <a:fld id="{CE8664EB-3082-3E45-A39D-200FE3E7A3BD}" type="datetime1">
               <a:rPr lang="en-US" smtClean="0"/>
-              <a:t>9/19/16</a:t>
+              <a:t>9/21/2016</a:t>
             </a:fld>
             <a:endParaRPr lang="en-US"/>
           </a:p>
@@ -4004,7 +4004,7 @@
           <a:p>
             <a:fld id="{242B03E7-C8D9-A145-BA10-467DDAAE77E0}" type="datetime1">
               <a:rPr lang="en-US" smtClean="0"/>
-              <a:t>9/19/16</a:t>
+              <a:t>9/21/2016</a:t>
             </a:fld>
             <a:endParaRPr lang="en-US"/>
           </a:p>
@@ -4284,7 +4284,7 @@
           <a:p>
             <a:fld id="{CC73D0A7-6212-9C4B-A3B6-AE80EBC3D1E3}" type="datetime1">
               <a:rPr lang="en-US" smtClean="0"/>
-              <a:t>9/19/16</a:t>
+              <a:t>9/21/2016</a:t>
             </a:fld>
             <a:endParaRPr lang="en-US"/>
           </a:p>
@@ -4413,14 +4413,14 @@
             <a:noFill/>
           </a:ln>
           <a:extLst>
-            <a:ext uri="{909E8E84-426E-40dd-AFC4-6F175D3DCCD1}">
+            <a:ext uri="{909E8E84-426E-40DD-AFC4-6F175D3DCCD1}">
               <a14:hiddenFill xmlns:a14="http://schemas.microsoft.com/office/drawing/2010/main">
                 <a:solidFill>
                   <a:srgbClr val="FFFFFF"/>
                 </a:solidFill>
               </a14:hiddenFill>
             </a:ext>
-            <a:ext uri="{91240B29-F687-4f45-9708-019B960494DF}">
+            <a:ext uri="{91240B29-F687-4F45-9708-019B960494DF}">
               <a14:hiddenLine xmlns:a14="http://schemas.microsoft.com/office/drawing/2010/main" w="9525">
                 <a:solidFill>
                   <a:srgbClr val="000000"/>
@@ -4431,7 +4431,7 @@
               </a14:hiddenLine>
             </a:ext>
             <a:ext uri="{FAA26D3D-D897-4be2-8F04-BA451C77F1D7}">
-              <ma14:placeholderFlag xmlns:ma14="http://schemas.microsoft.com/office/mac/drawingml/2011/main" val="1"/>
+              <ma14:placeholderFlag xmlns:ma14="http://schemas.microsoft.com/office/mac/drawingml/2011/main" xmlns="" val="1"/>
             </a:ext>
           </a:extLst>
         </p:spPr>
@@ -4474,14 +4474,14 @@
             <a:noFill/>
           </a:ln>
           <a:extLst>
-            <a:ext uri="{909E8E84-426E-40dd-AFC4-6F175D3DCCD1}">
+            <a:ext uri="{909E8E84-426E-40DD-AFC4-6F175D3DCCD1}">
               <a14:hiddenFill xmlns:a14="http://schemas.microsoft.com/office/drawing/2010/main">
                 <a:solidFill>
                   <a:srgbClr val="FFFFFF"/>
                 </a:solidFill>
               </a14:hiddenFill>
             </a:ext>
-            <a:ext uri="{91240B29-F687-4f45-9708-019B960494DF}">
+            <a:ext uri="{91240B29-F687-4F45-9708-019B960494DF}">
               <a14:hiddenLine xmlns:a14="http://schemas.microsoft.com/office/drawing/2010/main" w="9525">
                 <a:solidFill>
                   <a:srgbClr val="000000"/>
@@ -4492,7 +4492,7 @@
               </a14:hiddenLine>
             </a:ext>
             <a:ext uri="{FAA26D3D-D897-4be2-8F04-BA451C77F1D7}">
-              <ma14:placeholderFlag xmlns:ma14="http://schemas.microsoft.com/office/mac/drawingml/2011/main" val="1"/>
+              <ma14:placeholderFlag xmlns:ma14="http://schemas.microsoft.com/office/mac/drawingml/2011/main" xmlns="" val="1"/>
             </a:ext>
           </a:extLst>
         </p:spPr>
@@ -4583,7 +4583,7 @@
           <a:p>
             <a:fld id="{2C379A15-8CC3-8640-94A1-1339A3F13280}" type="datetime1">
               <a:rPr lang="en-US" smtClean="0"/>
-              <a:t>9/19/16</a:t>
+              <a:t>9/21/2016</a:t>
             </a:fld>
             <a:endParaRPr lang="en-US"/>
           </a:p>
@@ -4757,7 +4757,7 @@
             <a:tailEnd/>
           </a:ln>
           <a:extLst>
-            <a:ext uri="{909E8E84-426E-40dd-AFC4-6F175D3DCCD1}">
+            <a:ext uri="{909E8E84-426E-40DD-AFC4-6F175D3DCCD1}">
               <a14:hiddenFill xmlns:a14="http://schemas.microsoft.com/office/drawing/2010/main">
                 <a:solidFill>
                   <a:srgbClr val="FFFFFF"/>
@@ -4800,7 +4800,7 @@
             <a:tailEnd/>
           </a:ln>
           <a:extLst>
-            <a:ext uri="{909E8E84-426E-40dd-AFC4-6F175D3DCCD1}">
+            <a:ext uri="{909E8E84-426E-40DD-AFC4-6F175D3DCCD1}">
               <a14:hiddenFill xmlns:a14="http://schemas.microsoft.com/office/drawing/2010/main">
                 <a:noFill/>
               </a14:hiddenFill>
@@ -4836,7 +4836,7 @@
   <p:timing>
     <p:tnLst>
       <p:par>
-        <p:cTn xmlns:p14="http://schemas.microsoft.com/office/powerpoint/2010/main" id="1" dur="indefinite" restart="never" nodeType="tmRoot"/>
+        <p:cTn id="1" dur="indefinite" restart="never" nodeType="tmRoot"/>
       </p:par>
     </p:tnLst>
   </p:timing>
@@ -5473,7 +5473,7 @@
   <p:timing>
     <p:tnLst>
       <p:par>
-        <p:cTn xmlns:p14="http://schemas.microsoft.com/office/powerpoint/2010/main" id="1" dur="indefinite" restart="never" nodeType="tmRoot"/>
+        <p:cTn id="1" dur="indefinite" restart="never" nodeType="tmRoot"/>
       </p:par>
     </p:tnLst>
   </p:timing>
@@ -5553,13 +5553,13 @@
               <a:t>Consider that BH = </a:t>
             </a:r>
             <a:r>
-              <a:rPr lang="en-US" dirty="0" err="1" smtClean="0">
+              <a:rPr lang="en-US" dirty="0" smtClean="0">
                 <a:solidFill>
                   <a:srgbClr val="FF0000"/>
                 </a:solidFill>
                 <a:ea typeface="+mn-ea"/>
               </a:rPr>
-              <a:t>FFh</a:t>
+              <a:t>0xFF </a:t>
             </a:r>
             <a:r>
               <a:rPr lang="en-US" dirty="0" smtClean="0">
@@ -5568,7 +5568,7 @@
                 </a:solidFill>
                 <a:ea typeface="+mn-ea"/>
               </a:rPr>
-              <a:t> = 1111 1111</a:t>
+              <a:t>= 1111 1111</a:t>
             </a:r>
             <a:r>
               <a:rPr lang="en-US" baseline="-25000" dirty="0" smtClean="0">
@@ -5601,12 +5601,12 @@
               <a:t>As unsigned value, </a:t>
             </a:r>
             <a:r>
-              <a:rPr lang="en-US" dirty="0" err="1" smtClean="0">
+              <a:rPr lang="en-US" dirty="0" smtClean="0">
                 <a:solidFill>
                   <a:srgbClr val="FF0000"/>
                 </a:solidFill>
               </a:rPr>
-              <a:t>FFh</a:t>
+              <a:t>0xFF </a:t>
             </a:r>
             <a:r>
               <a:rPr lang="en-US" dirty="0" smtClean="0">
@@ -5614,7 +5614,7 @@
                   <a:srgbClr val="FF0000"/>
                 </a:solidFill>
               </a:rPr>
-              <a:t> = 255</a:t>
+              <a:t>= 255</a:t>
             </a:r>
             <a:r>
               <a:rPr lang="en-US" baseline="-25000" dirty="0" smtClean="0">
@@ -5645,12 +5645,12 @@
               <a:t>As signed value, </a:t>
             </a:r>
             <a:r>
-              <a:rPr lang="en-US" dirty="0" err="1" smtClean="0">
+              <a:rPr lang="en-US" dirty="0" smtClean="0">
                 <a:solidFill>
                   <a:srgbClr val="FF0000"/>
                 </a:solidFill>
               </a:rPr>
-              <a:t>FFh</a:t>
+              <a:t>0xFF </a:t>
             </a:r>
             <a:r>
               <a:rPr lang="en-US" dirty="0" smtClean="0">
@@ -5658,7 +5658,7 @@
                   <a:srgbClr val="FF0000"/>
                 </a:solidFill>
               </a:rPr>
-              <a:t> = -1</a:t>
+              <a:t>= -1</a:t>
             </a:r>
             <a:r>
               <a:rPr lang="en-US" baseline="-25000" dirty="0" smtClean="0">
@@ -5702,7 +5702,15 @@
                   <a:srgbClr val="FF0000"/>
                 </a:solidFill>
               </a:rPr>
-              <a:t>AL = AX / BL = 0005h </a:t>
+              <a:t>AL = AX / BL = </a:t>
+            </a:r>
+            <a:r>
+              <a:rPr lang="en-US" dirty="0" smtClean="0">
+                <a:solidFill>
+                  <a:srgbClr val="FF0000"/>
+                </a:solidFill>
+              </a:rPr>
+              <a:t>0x0005 </a:t>
             </a:r>
             <a:r>
               <a:rPr lang="en-US" dirty="0">
@@ -5718,7 +5726,23 @@
                   <a:srgbClr val="FF0000"/>
                 </a:solidFill>
               </a:rPr>
-              <a:t> 02h = 5 / 2 = </a:t>
+              <a:t> </a:t>
+            </a:r>
+            <a:r>
+              <a:rPr lang="en-US" dirty="0" smtClean="0">
+                <a:solidFill>
+                  <a:srgbClr val="FF0000"/>
+                </a:solidFill>
+              </a:rPr>
+              <a:t>0x02 </a:t>
+            </a:r>
+            <a:r>
+              <a:rPr lang="en-US" dirty="0" smtClean="0">
+                <a:solidFill>
+                  <a:srgbClr val="FF0000"/>
+                </a:solidFill>
+              </a:rPr>
+              <a:t>= 5 / 2 = </a:t>
             </a:r>
             <a:r>
               <a:rPr lang="en-US" b="1" u="sng" dirty="0" smtClean="0">
@@ -5726,7 +5750,7 @@
                   <a:srgbClr val="FF0000"/>
                 </a:solidFill>
               </a:rPr>
-              <a:t>02h</a:t>
+              <a:t>0x02</a:t>
             </a:r>
             <a:endParaRPr lang="en-US" dirty="0" smtClean="0">
               <a:solidFill>
@@ -5746,7 +5770,39 @@
                   <a:srgbClr val="FF0000"/>
                 </a:solidFill>
               </a:rPr>
-              <a:t>AH = AX % BL = 0005h % 02h = 5 % 2 = </a:t>
+              <a:t>AH = AX % BL = </a:t>
+            </a:r>
+            <a:r>
+              <a:rPr lang="en-US" dirty="0" smtClean="0">
+                <a:solidFill>
+                  <a:srgbClr val="FF0000"/>
+                </a:solidFill>
+              </a:rPr>
+              <a:t>0x0005 </a:t>
+            </a:r>
+            <a:r>
+              <a:rPr lang="en-US" dirty="0" smtClean="0">
+                <a:solidFill>
+                  <a:srgbClr val="FF0000"/>
+                </a:solidFill>
+              </a:rPr>
+              <a:t>% </a:t>
+            </a:r>
+            <a:r>
+              <a:rPr lang="en-US" dirty="0" smtClean="0">
+                <a:solidFill>
+                  <a:srgbClr val="FF0000"/>
+                </a:solidFill>
+              </a:rPr>
+              <a:t>0x02 </a:t>
+            </a:r>
+            <a:r>
+              <a:rPr lang="en-US" dirty="0" smtClean="0">
+                <a:solidFill>
+                  <a:srgbClr val="FF0000"/>
+                </a:solidFill>
+              </a:rPr>
+              <a:t>= 5 % 2 = </a:t>
             </a:r>
             <a:r>
               <a:rPr lang="en-US" b="1" u="sng" dirty="0" smtClean="0">
@@ -5754,7 +5810,7 @@
                   <a:srgbClr val="FF0000"/>
                 </a:solidFill>
               </a:rPr>
-              <a:t>01h</a:t>
+              <a:t>0x01</a:t>
             </a:r>
             <a:endParaRPr lang="en-US" dirty="0" smtClean="0">
               <a:solidFill>
@@ -5805,15 +5861,15 @@
                   <a:srgbClr val="FF0000"/>
                 </a:solidFill>
               </a:rPr>
-              <a:t>AL = AX / BH = 0005h / </a:t>
-            </a:r>
-            <a:r>
-              <a:rPr lang="en-US" dirty="0" err="1" smtClean="0">
+              <a:t>AL = AX / BH = </a:t>
+            </a:r>
+            <a:r>
+              <a:rPr lang="en-US" dirty="0" smtClean="0">
                 <a:solidFill>
                   <a:srgbClr val="FF0000"/>
                 </a:solidFill>
               </a:rPr>
-              <a:t>FFh</a:t>
+              <a:t>0x0005 </a:t>
             </a:r>
             <a:r>
               <a:rPr lang="en-US" dirty="0" smtClean="0">
@@ -5821,7 +5877,23 @@
                   <a:srgbClr val="FF0000"/>
                 </a:solidFill>
               </a:rPr>
-              <a:t> = 5 / 255 = </a:t>
+              <a:t>/ </a:t>
+            </a:r>
+            <a:r>
+              <a:rPr lang="en-US" dirty="0" smtClean="0">
+                <a:solidFill>
+                  <a:srgbClr val="FF0000"/>
+                </a:solidFill>
+              </a:rPr>
+              <a:t>0xFF </a:t>
+            </a:r>
+            <a:r>
+              <a:rPr lang="en-US" dirty="0" smtClean="0">
+                <a:solidFill>
+                  <a:srgbClr val="FF0000"/>
+                </a:solidFill>
+              </a:rPr>
+              <a:t>= 5 / 255 = </a:t>
             </a:r>
             <a:r>
               <a:rPr lang="en-US" b="1" u="sng" dirty="0" smtClean="0">
@@ -5829,8 +5901,13 @@
                   <a:srgbClr val="FF0000"/>
                 </a:solidFill>
               </a:rPr>
-              <a:t>00h</a:t>
-            </a:r>
+              <a:t>0x00</a:t>
+            </a:r>
+            <a:endParaRPr lang="en-US" b="1" u="sng" dirty="0" smtClean="0">
+              <a:solidFill>
+                <a:srgbClr val="FF0000"/>
+              </a:solidFill>
+            </a:endParaRPr>
           </a:p>
           <a:p>
             <a:pPr lvl="1">
@@ -5844,15 +5921,15 @@
                   <a:srgbClr val="FF0000"/>
                 </a:solidFill>
               </a:rPr>
-              <a:t>AH = AX % BH = 0005h / </a:t>
-            </a:r>
-            <a:r>
-              <a:rPr lang="en-US" dirty="0" err="1" smtClean="0">
+              <a:t>AH = AX % BH = </a:t>
+            </a:r>
+            <a:r>
+              <a:rPr lang="en-US" dirty="0" smtClean="0">
                 <a:solidFill>
                   <a:srgbClr val="FF0000"/>
                 </a:solidFill>
               </a:rPr>
-              <a:t>FFh</a:t>
+              <a:t>0x0005 </a:t>
             </a:r>
             <a:r>
               <a:rPr lang="en-US" dirty="0" smtClean="0">
@@ -5860,7 +5937,23 @@
                   <a:srgbClr val="FF0000"/>
                 </a:solidFill>
               </a:rPr>
-              <a:t> = 5 % 255 = </a:t>
+              <a:t>/ </a:t>
+            </a:r>
+            <a:r>
+              <a:rPr lang="en-US" dirty="0" smtClean="0">
+                <a:solidFill>
+                  <a:srgbClr val="FF0000"/>
+                </a:solidFill>
+              </a:rPr>
+              <a:t>0xFF </a:t>
+            </a:r>
+            <a:r>
+              <a:rPr lang="en-US" dirty="0" smtClean="0">
+                <a:solidFill>
+                  <a:srgbClr val="FF0000"/>
+                </a:solidFill>
+              </a:rPr>
+              <a:t>= 5 % 255 = </a:t>
             </a:r>
             <a:r>
               <a:rPr lang="en-US" b="1" u="sng" dirty="0" smtClean="0">
@@ -5868,7 +5961,7 @@
                   <a:srgbClr val="FF0000"/>
                 </a:solidFill>
               </a:rPr>
-              <a:t>05h</a:t>
+              <a:t>0x05</a:t>
             </a:r>
             <a:endParaRPr lang="en-US" dirty="0" smtClean="0">
               <a:solidFill>
@@ -5919,15 +6012,15 @@
                   <a:srgbClr val="FF0000"/>
                 </a:solidFill>
               </a:rPr>
-              <a:t>AL = AX / BH = 0005h / </a:t>
-            </a:r>
-            <a:r>
-              <a:rPr lang="en-US" dirty="0" err="1" smtClean="0">
+              <a:t>AL = AX / BH = </a:t>
+            </a:r>
+            <a:r>
+              <a:rPr lang="en-US" dirty="0" smtClean="0">
                 <a:solidFill>
                   <a:srgbClr val="FF0000"/>
                 </a:solidFill>
               </a:rPr>
-              <a:t>FFh</a:t>
+              <a:t>0x0005 </a:t>
             </a:r>
             <a:r>
               <a:rPr lang="en-US" dirty="0" smtClean="0">
@@ -5935,15 +6028,31 @@
                   <a:srgbClr val="FF0000"/>
                 </a:solidFill>
               </a:rPr>
-              <a:t> = 5 / -1 = -5 = </a:t>
-            </a:r>
-            <a:r>
-              <a:rPr lang="en-US" b="1" u="sng" dirty="0" err="1" smtClean="0">
+              <a:t>/ </a:t>
+            </a:r>
+            <a:r>
+              <a:rPr lang="en-US" dirty="0" smtClean="0">
                 <a:solidFill>
                   <a:srgbClr val="FF0000"/>
                 </a:solidFill>
               </a:rPr>
-              <a:t>FBh</a:t>
+              <a:t>0xFF </a:t>
+            </a:r>
+            <a:r>
+              <a:rPr lang="en-US" dirty="0" smtClean="0">
+                <a:solidFill>
+                  <a:srgbClr val="FF0000"/>
+                </a:solidFill>
+              </a:rPr>
+              <a:t>= 5 / -1 = -5 = </a:t>
+            </a:r>
+            <a:r>
+              <a:rPr lang="en-US" b="1" u="sng" dirty="0" smtClean="0">
+                <a:solidFill>
+                  <a:srgbClr val="FF0000"/>
+                </a:solidFill>
+              </a:rPr>
+              <a:t>0xFB</a:t>
             </a:r>
             <a:endParaRPr lang="en-US" b="1" u="sng" dirty="0" smtClean="0">
               <a:solidFill>
@@ -5963,15 +6072,39 @@
                   <a:srgbClr val="FF0000"/>
                 </a:solidFill>
               </a:rPr>
-              <a:t>AH = AX % BH = 0005h % </a:t>
-            </a:r>
-            <a:r>
-              <a:rPr lang="en-US" dirty="0" err="1" smtClean="0">
+              <a:t>AH = AX % BH </a:t>
+            </a:r>
+            <a:r>
+              <a:rPr lang="en-US" smtClean="0">
                 <a:solidFill>
                   <a:srgbClr val="FF0000"/>
                 </a:solidFill>
               </a:rPr>
-              <a:t>FFh</a:t>
+              <a:t>= </a:t>
+            </a:r>
+            <a:r>
+              <a:rPr lang="en-US" smtClean="0">
+                <a:solidFill>
+                  <a:srgbClr val="FF0000"/>
+                </a:solidFill>
+              </a:rPr>
+              <a:t>0x0005 </a:t>
+            </a:r>
+            <a:r>
+              <a:rPr lang="en-US" smtClean="0">
+                <a:solidFill>
+                  <a:srgbClr val="FF0000"/>
+                </a:solidFill>
+              </a:rPr>
+              <a:t>% </a:t>
+            </a:r>
+            <a:r>
+              <a:rPr lang="en-US" smtClean="0">
+                <a:solidFill>
+                  <a:srgbClr val="FF0000"/>
+                </a:solidFill>
+              </a:rPr>
+              <a:t>0xFF </a:t>
             </a:r>
             <a:r>
               <a:rPr lang="en-US" dirty="0" smtClean="0">
@@ -5979,7 +6112,7 @@
                   <a:srgbClr val="FF0000"/>
                 </a:solidFill>
               </a:rPr>
-              <a:t> = 5 % -1 = </a:t>
+              <a:t>= 5 % -1 = </a:t>
             </a:r>
             <a:r>
               <a:rPr lang="en-US" b="1" u="sng" dirty="0" smtClean="0">
@@ -5987,7 +6120,7 @@
                   <a:srgbClr val="FF0000"/>
                 </a:solidFill>
               </a:rPr>
-              <a:t>00h</a:t>
+              <a:t>0x00</a:t>
             </a:r>
             <a:endParaRPr lang="en-US" dirty="0" smtClean="0">
               <a:solidFill>
@@ -6132,7 +6265,7 @@
               <a:rPr lang="en-US" smtClean="0">
                 <a:latin typeface="Garamond" charset="0"/>
               </a:rPr>
-              <a:t>9/19/16</a:t>
+              <a:t>9/21/2016</a:t>
             </a:fld>
             <a:endParaRPr lang="en-US">
               <a:latin typeface="Garamond" charset="0"/>
@@ -6323,7 +6456,7 @@
   <p:timing>
     <p:tnLst>
       <p:par>
-        <p:cTn xmlns:p14="http://schemas.microsoft.com/office/powerpoint/2010/main" id="1" dur="indefinite" restart="never" nodeType="tmRoot"/>
+        <p:cTn id="1" dur="indefinite" restart="never" nodeType="tmRoot"/>
       </p:par>
     </p:tnLst>
   </p:timing>
@@ -6598,7 +6731,7 @@
               <a:rPr lang="en-US" smtClean="0">
                 <a:latin typeface="Garamond" charset="0"/>
               </a:rPr>
-              <a:t>9/19/16</a:t>
+              <a:t>9/21/2016</a:t>
             </a:fld>
             <a:endParaRPr lang="en-US">
               <a:latin typeface="Garamond" charset="0"/>
@@ -6784,7 +6917,7 @@
   <p:timing>
     <p:tnLst>
       <p:par>
-        <p:cTn xmlns:p14="http://schemas.microsoft.com/office/powerpoint/2010/main" id="1" dur="indefinite" restart="never" nodeType="tmRoot"/>
+        <p:cTn id="1" dur="indefinite" restart="never" nodeType="tmRoot"/>
       </p:par>
     </p:tnLst>
   </p:timing>
@@ -6857,36 +6990,15 @@
             <a:pPr lvl="1"/>
             <a:r>
               <a:rPr lang="en-US" dirty="0" smtClean="0"/>
-              <a:t>HW 2 due </a:t>
-            </a:r>
+              <a:t>HW 2 due 2:00 PM today</a:t>
+            </a:r>
+          </a:p>
+          <a:p>
+            <a:pPr lvl="1"/>
             <a:r>
               <a:rPr lang="en-US" dirty="0" smtClean="0"/>
-              <a:t>2:</a:t>
-            </a:r>
-            <a:r>
-              <a:rPr lang="en-US" dirty="0" smtClean="0"/>
-              <a:t>00 PM today</a:t>
-            </a:r>
-          </a:p>
-          <a:p>
-            <a:pPr lvl="1"/>
-            <a:r>
-              <a:rPr lang="en-US" dirty="0" smtClean="0"/>
-              <a:t>HW 3 to be posted; due </a:t>
-            </a:r>
-            <a:r>
-              <a:rPr lang="en-US" dirty="0" smtClean="0"/>
-              <a:t>2:</a:t>
-            </a:r>
-            <a:r>
-              <a:rPr lang="en-US" dirty="0" smtClean="0"/>
-              <a:t>00 PM, </a:t>
-            </a:r>
-            <a:r>
-              <a:rPr lang="en-US" dirty="0" smtClean="0"/>
-              <a:t>Wednesday, 9/28</a:t>
-            </a:r>
-            <a:endParaRPr lang="en-US" dirty="0" smtClean="0"/>
+              <a:t>HW 3 to be posted; due 2:00 PM, Wednesday, 9/28</a:t>
+            </a:r>
           </a:p>
           <a:p>
             <a:pPr lvl="2"/>
@@ -6904,13 +7016,8 @@
             <a:pPr lvl="1"/>
             <a:r>
               <a:rPr lang="en-US" dirty="0" smtClean="0"/>
-              <a:t>Exam 1: Friday, </a:t>
-            </a:r>
-            <a:r>
-              <a:rPr lang="en-US" dirty="0" smtClean="0"/>
-              <a:t>9/30</a:t>
-            </a:r>
-            <a:endParaRPr lang="en-US" dirty="0" smtClean="0"/>
+              <a:t>Exam 1: Friday, 9/30</a:t>
+            </a:r>
           </a:p>
           <a:p>
             <a:pPr lvl="2"/>
@@ -7086,7 +7193,7 @@
           <a:p>
             <a:fld id="{3B100BD0-1183-3C44-8315-CBD84DDA42E4}" type="datetime1">
               <a:rPr lang="en-US" smtClean="0"/>
-              <a:t>9/19/16</a:t>
+              <a:t>9/21/2016</a:t>
             </a:fld>
             <a:endParaRPr lang="en-US"/>
           </a:p>
@@ -7262,7 +7369,7 @@
   <p:timing>
     <p:tnLst>
       <p:par>
-        <p:cTn xmlns:p14="http://schemas.microsoft.com/office/powerpoint/2010/main" id="1" dur="indefinite" restart="never" nodeType="tmRoot"/>
+        <p:cTn id="1" dur="indefinite" restart="never" nodeType="tmRoot"/>
       </p:par>
     </p:tnLst>
   </p:timing>
@@ -7512,7 +7619,7 @@
               <a:rPr lang="en-US" smtClean="0">
                 <a:latin typeface="Garamond" charset="0"/>
               </a:rPr>
-              <a:t>9/19/16</a:t>
+              <a:t>9/21/2016</a:t>
             </a:fld>
             <a:endParaRPr lang="en-US">
               <a:latin typeface="Garamond" charset="0"/>
@@ -7698,7 +7805,7 @@
   <p:timing>
     <p:tnLst>
       <p:par>
-        <p:cTn xmlns:p14="http://schemas.microsoft.com/office/powerpoint/2010/main" id="1" dur="indefinite" restart="never" nodeType="tmRoot"/>
+        <p:cTn id="1" dur="indefinite" restart="never" nodeType="tmRoot"/>
       </p:par>
     </p:tnLst>
   </p:timing>
@@ -7974,7 +8081,7 @@
               <a:rPr lang="en-US" smtClean="0">
                 <a:latin typeface="Garamond" charset="0"/>
               </a:rPr>
-              <a:t>9/19/16</a:t>
+              <a:t>9/21/2016</a:t>
             </a:fld>
             <a:endParaRPr lang="en-US">
               <a:latin typeface="Garamond" charset="0"/>
@@ -8160,7 +8267,7 @@
   <p:timing>
     <p:tnLst>
       <p:par>
-        <p:cTn xmlns:p14="http://schemas.microsoft.com/office/powerpoint/2010/main" id="1" dur="indefinite" restart="never" nodeType="tmRoot"/>
+        <p:cTn id="1" dur="indefinite" restart="never" nodeType="tmRoot"/>
       </p:par>
     </p:tnLst>
   </p:timing>
@@ -8400,7 +8507,7 @@
               <a:rPr lang="en-US" smtClean="0">
                 <a:latin typeface="Garamond" charset="0"/>
               </a:rPr>
-              <a:t>9/19/16</a:t>
+              <a:t>9/21/2016</a:t>
             </a:fld>
             <a:endParaRPr lang="en-US">
               <a:latin typeface="Garamond" charset="0"/>
@@ -8591,7 +8698,7 @@
   <p:timing>
     <p:tnLst>
       <p:par>
-        <p:cTn xmlns:p14="http://schemas.microsoft.com/office/powerpoint/2010/main" id="1" dur="indefinite" restart="never" nodeType="tmRoot"/>
+        <p:cTn id="1" dur="indefinite" restart="never" nodeType="tmRoot"/>
       </p:par>
     </p:tnLst>
   </p:timing>
@@ -8876,7 +8983,7 @@
               <a:rPr lang="en-US" smtClean="0">
                 <a:latin typeface="Garamond" charset="0"/>
               </a:rPr>
-              <a:t>9/19/16</a:t>
+              <a:t>9/21/2016</a:t>
             </a:fld>
             <a:endParaRPr lang="en-US">
               <a:latin typeface="Garamond" charset="0"/>
@@ -9067,7 +9174,7 @@
   <p:timing>
     <p:tnLst>
       <p:par>
-        <p:cTn xmlns:p14="http://schemas.microsoft.com/office/powerpoint/2010/main" id="1" dur="indefinite" restart="never" nodeType="tmRoot"/>
+        <p:cTn id="1" dur="indefinite" restart="never" nodeType="tmRoot"/>
       </p:par>
     </p:tnLst>
   </p:timing>
@@ -9546,7 +9653,7 @@
               <a:rPr lang="en-US" smtClean="0">
                 <a:latin typeface="Garamond" charset="0"/>
               </a:rPr>
-              <a:t>9/19/16</a:t>
+              <a:t>9/21/2016</a:t>
             </a:fld>
             <a:endParaRPr lang="en-US">
               <a:latin typeface="Garamond" charset="0"/>
@@ -9737,7 +9844,7 @@
   <p:timing>
     <p:tnLst>
       <p:par>
-        <p:cTn xmlns:p14="http://schemas.microsoft.com/office/powerpoint/2010/main" id="1" dur="indefinite" restart="never" nodeType="tmRoot"/>
+        <p:cTn id="1" dur="indefinite" restart="never" nodeType="tmRoot"/>
       </p:par>
     </p:tnLst>
   </p:timing>
@@ -9822,8 +9929,13 @@
             </a:pPr>
             <a:r>
               <a:rPr lang="en-US" dirty="0" smtClean="0"/>
-              <a:t>EAX = 00000005h</a:t>
-            </a:r>
+              <a:t>EAX = </a:t>
+            </a:r>
+            <a:r>
+              <a:rPr lang="en-US" dirty="0" smtClean="0"/>
+              <a:t>0x00000005</a:t>
+            </a:r>
+            <a:endParaRPr lang="en-US" dirty="0" smtClean="0"/>
           </a:p>
           <a:p>
             <a:pPr lvl="1">
@@ -9833,8 +9945,13 @@
             </a:pPr>
             <a:r>
               <a:rPr lang="en-US" dirty="0" smtClean="0"/>
-              <a:t>EBX = 0000FF02h</a:t>
-            </a:r>
+              <a:t>EBX = </a:t>
+            </a:r>
+            <a:r>
+              <a:rPr lang="en-US" dirty="0" smtClean="0"/>
+              <a:t>0x0000FF02</a:t>
+            </a:r>
+            <a:endParaRPr lang="en-US" dirty="0" smtClean="0"/>
           </a:p>
           <a:p>
             <a:pPr>
@@ -9843,16 +9960,10 @@
               <a:defRPr/>
             </a:pPr>
             <a:r>
-              <a:rPr lang="en-US" smtClean="0">
-                <a:ea typeface="+mn-ea"/>
-              </a:rPr>
-              <a:t>What </a:t>
-            </a:r>
-            <a:r>
               <a:rPr lang="en-US" dirty="0" smtClean="0">
                 <a:ea typeface="+mn-ea"/>
               </a:rPr>
-              <a:t>are the results of the following instructions? (Assume all instructions start with same values in registers above)</a:t>
+              <a:t>What are the results of the following instructions? (Assume all instructions start with same values in registers above)</a:t>
             </a:r>
           </a:p>
           <a:p>
@@ -10058,7 +10169,7 @@
               <a:rPr lang="en-US" smtClean="0">
                 <a:latin typeface="Garamond" charset="0"/>
               </a:rPr>
-              <a:t>9/19/16</a:t>
+              <a:t>9/21/2016</a:t>
             </a:fld>
             <a:endParaRPr lang="en-US">
               <a:latin typeface="Garamond" charset="0"/>
@@ -10249,7 +10360,7 @@
   <p:timing>
     <p:tnLst>
       <p:par>
-        <p:cTn xmlns:p14="http://schemas.microsoft.com/office/powerpoint/2010/main" id="1" dur="indefinite" restart="never" nodeType="tmRoot"/>
+        <p:cTn id="1" dur="indefinite" restart="never" nodeType="tmRoot"/>
       </p:par>
     </p:tnLst>
   </p:timing>
@@ -10329,13 +10440,13 @@
               <a:t>Consider that BH = </a:t>
             </a:r>
             <a:r>
-              <a:rPr lang="en-US" dirty="0" err="1" smtClean="0">
+              <a:rPr lang="en-US" dirty="0" smtClean="0">
                 <a:solidFill>
                   <a:srgbClr val="FF0000"/>
                 </a:solidFill>
                 <a:ea typeface="+mn-ea"/>
               </a:rPr>
-              <a:t>FFh</a:t>
+              <a:t>0xFF </a:t>
             </a:r>
             <a:r>
               <a:rPr lang="en-US" dirty="0" smtClean="0">
@@ -10344,7 +10455,7 @@
                 </a:solidFill>
                 <a:ea typeface="+mn-ea"/>
               </a:rPr>
-              <a:t> = 1111 1111</a:t>
+              <a:t>= 1111 1111</a:t>
             </a:r>
             <a:r>
               <a:rPr lang="en-US" baseline="-25000" dirty="0" smtClean="0">
@@ -10377,12 +10488,12 @@
               <a:t>As unsigned value, </a:t>
             </a:r>
             <a:r>
-              <a:rPr lang="en-US" dirty="0" err="1" smtClean="0">
+              <a:rPr lang="en-US" dirty="0" smtClean="0">
                 <a:solidFill>
                   <a:srgbClr val="FF0000"/>
                 </a:solidFill>
               </a:rPr>
-              <a:t>FFh</a:t>
+              <a:t>0xFF </a:t>
             </a:r>
             <a:r>
               <a:rPr lang="en-US" dirty="0" smtClean="0">
@@ -10390,7 +10501,7 @@
                   <a:srgbClr val="FF0000"/>
                 </a:solidFill>
               </a:rPr>
-              <a:t> = 255</a:t>
+              <a:t>= 255</a:t>
             </a:r>
             <a:r>
               <a:rPr lang="en-US" baseline="-25000" dirty="0" smtClean="0">
@@ -10421,12 +10532,12 @@
               <a:t>As signed value, </a:t>
             </a:r>
             <a:r>
-              <a:rPr lang="en-US" dirty="0" err="1" smtClean="0">
+              <a:rPr lang="en-US" dirty="0" smtClean="0">
                 <a:solidFill>
                   <a:srgbClr val="FF0000"/>
                 </a:solidFill>
               </a:rPr>
-              <a:t>FFh</a:t>
+              <a:t>0xFF </a:t>
             </a:r>
             <a:r>
               <a:rPr lang="en-US" dirty="0" smtClean="0">
@@ -10434,7 +10545,7 @@
                   <a:srgbClr val="FF0000"/>
                 </a:solidFill>
               </a:rPr>
-              <a:t> = -1</a:t>
+              <a:t>= -1</a:t>
             </a:r>
             <a:r>
               <a:rPr lang="en-US" baseline="-25000" dirty="0" smtClean="0">
@@ -10478,7 +10589,39 @@
                   <a:srgbClr val="FF0000"/>
                 </a:solidFill>
               </a:rPr>
-              <a:t>AX = AL * BL = 05h * 02h = 5 * 2 = 10</a:t>
+              <a:t>AX = AL * BL = </a:t>
+            </a:r>
+            <a:r>
+              <a:rPr lang="en-US" dirty="0" smtClean="0">
+                <a:solidFill>
+                  <a:srgbClr val="FF0000"/>
+                </a:solidFill>
+              </a:rPr>
+              <a:t>0x05 </a:t>
+            </a:r>
+            <a:r>
+              <a:rPr lang="en-US" dirty="0" smtClean="0">
+                <a:solidFill>
+                  <a:srgbClr val="FF0000"/>
+                </a:solidFill>
+              </a:rPr>
+              <a:t>* </a:t>
+            </a:r>
+            <a:r>
+              <a:rPr lang="en-US" dirty="0" smtClean="0">
+                <a:solidFill>
+                  <a:srgbClr val="FF0000"/>
+                </a:solidFill>
+              </a:rPr>
+              <a:t>0x02 </a:t>
+            </a:r>
+            <a:r>
+              <a:rPr lang="en-US" dirty="0" smtClean="0">
+                <a:solidFill>
+                  <a:srgbClr val="FF0000"/>
+                </a:solidFill>
+              </a:rPr>
+              <a:t>= 5 * 2 = 10</a:t>
             </a:r>
             <a:r>
               <a:rPr lang="en-US" baseline="-25000" dirty="0" smtClean="0">
@@ -10502,8 +10645,13 @@
                   <a:srgbClr val="FF0000"/>
                 </a:solidFill>
               </a:rPr>
-              <a:t>000Ah</a:t>
-            </a:r>
+              <a:t>0x000A</a:t>
+            </a:r>
+            <a:endParaRPr lang="en-US" b="1" u="sng" dirty="0" smtClean="0">
+              <a:solidFill>
+                <a:srgbClr val="FF0000"/>
+              </a:solidFill>
+            </a:endParaRPr>
           </a:p>
           <a:p>
             <a:pPr>
@@ -10548,15 +10696,15 @@
                   <a:srgbClr val="FF0000"/>
                 </a:solidFill>
               </a:rPr>
-              <a:t>AX = AL * BH = 05h * </a:t>
-            </a:r>
-            <a:r>
-              <a:rPr lang="en-US" dirty="0" err="1" smtClean="0">
+              <a:t>AX = AL * BH = </a:t>
+            </a:r>
+            <a:r>
+              <a:rPr lang="en-US" dirty="0" smtClean="0">
                 <a:solidFill>
                   <a:srgbClr val="FF0000"/>
                 </a:solidFill>
               </a:rPr>
-              <a:t>FFh</a:t>
+              <a:t>0x05 </a:t>
             </a:r>
             <a:r>
               <a:rPr lang="en-US" dirty="0" smtClean="0">
@@ -10564,7 +10712,23 @@
                   <a:srgbClr val="FF0000"/>
                 </a:solidFill>
               </a:rPr>
-              <a:t> = 5 * 255 = 1275</a:t>
+              <a:t>* </a:t>
+            </a:r>
+            <a:r>
+              <a:rPr lang="en-US" dirty="0" smtClean="0">
+                <a:solidFill>
+                  <a:srgbClr val="FF0000"/>
+                </a:solidFill>
+              </a:rPr>
+              <a:t>0xFF </a:t>
+            </a:r>
+            <a:r>
+              <a:rPr lang="en-US" dirty="0" smtClean="0">
+                <a:solidFill>
+                  <a:srgbClr val="FF0000"/>
+                </a:solidFill>
+              </a:rPr>
+              <a:t>= 5 * 255 = 1275</a:t>
             </a:r>
             <a:r>
               <a:rPr lang="en-US" baseline="-25000" dirty="0" smtClean="0">
@@ -10616,7 +10780,7 @@
                   <a:srgbClr val="FF0000"/>
                 </a:solidFill>
               </a:rPr>
-              <a:t>04FBh</a:t>
+              <a:t>0x04FB</a:t>
             </a:r>
             <a:r>
               <a:rPr lang="en-US" dirty="0" smtClean="0">
@@ -10626,6 +10790,11 @@
               </a:rPr>
               <a:t> </a:t>
             </a:r>
+            <a:endParaRPr lang="en-US" dirty="0" smtClean="0">
+              <a:solidFill>
+                <a:srgbClr val="FF0000"/>
+              </a:solidFill>
+            </a:endParaRPr>
           </a:p>
           <a:p>
             <a:pPr>
@@ -10670,15 +10839,15 @@
                   <a:srgbClr val="FF0000"/>
                 </a:solidFill>
               </a:rPr>
-              <a:t>AX = AL * BH = 05h * </a:t>
-            </a:r>
-            <a:r>
-              <a:rPr lang="en-US" dirty="0" err="1" smtClean="0">
+              <a:t>AX = AL * BH = </a:t>
+            </a:r>
+            <a:r>
+              <a:rPr lang="en-US" dirty="0" smtClean="0">
                 <a:solidFill>
                   <a:srgbClr val="FF0000"/>
                 </a:solidFill>
               </a:rPr>
-              <a:t>FFh</a:t>
+              <a:t>0x05 </a:t>
             </a:r>
             <a:r>
               <a:rPr lang="en-US" dirty="0" smtClean="0">
@@ -10686,7 +10855,23 @@
                   <a:srgbClr val="FF0000"/>
                 </a:solidFill>
               </a:rPr>
-              <a:t> = 5 * -1 = -5</a:t>
+              <a:t>* </a:t>
+            </a:r>
+            <a:r>
+              <a:rPr lang="en-US" dirty="0" smtClean="0">
+                <a:solidFill>
+                  <a:srgbClr val="FF0000"/>
+                </a:solidFill>
+              </a:rPr>
+              <a:t>0xFF </a:t>
+            </a:r>
+            <a:r>
+              <a:rPr lang="en-US" dirty="0" smtClean="0">
+                <a:solidFill>
+                  <a:srgbClr val="FF0000"/>
+                </a:solidFill>
+              </a:rPr>
+              <a:t>= 5 * -1 = -5</a:t>
             </a:r>
             <a:r>
               <a:rPr lang="en-US" baseline="-25000" dirty="0" smtClean="0">
@@ -10705,12 +10890,20 @@
               <a:t> = </a:t>
             </a:r>
             <a:r>
-              <a:rPr lang="en-US" b="1" u="sng" dirty="0" err="1" smtClean="0">
+              <a:rPr lang="en-US" dirty="0" smtClean="0">
                 <a:solidFill>
                   <a:srgbClr val="FF0000"/>
                 </a:solidFill>
               </a:rPr>
-              <a:t>FFFBh</a:t>
+              <a:t>0x</a:t>
+            </a:r>
+            <a:r>
+              <a:rPr lang="en-US" b="1" u="sng" dirty="0" smtClean="0">
+                <a:solidFill>
+                  <a:srgbClr val="FF0000"/>
+                </a:solidFill>
+              </a:rPr>
+              <a:t>FFFB</a:t>
             </a:r>
             <a:endParaRPr lang="en-US" dirty="0" smtClean="0">
               <a:solidFill>
@@ -10855,7 +11048,7 @@
               <a:rPr lang="en-US" smtClean="0">
                 <a:latin typeface="Garamond" charset="0"/>
               </a:rPr>
-              <a:t>9/19/16</a:t>
+              <a:t>9/21/2016</a:t>
             </a:fld>
             <a:endParaRPr lang="en-US">
               <a:latin typeface="Garamond" charset="0"/>
@@ -11046,7 +11239,7 @@
   <p:timing>
     <p:tnLst>
       <p:par>
-        <p:cTn xmlns:p14="http://schemas.microsoft.com/office/powerpoint/2010/main" id="1" dur="indefinite" restart="never" nodeType="tmRoot"/>
+        <p:cTn id="1" dur="indefinite" restart="never" nodeType="tmRoot"/>
       </p:par>
     </p:tnLst>
   </p:timing>
